--- a/doku/Sudoku-Online.pptx
+++ b/doku/Sudoku-Online.pptx
@@ -5,10 +5,10 @@
     <p:sldMasterId id="2147483661" r:id="rId1"/>
   </p:sldMasterIdLst>
   <p:notesMasterIdLst>
-    <p:notesMasterId r:id="rId10"/>
+    <p:notesMasterId r:id="rId11"/>
   </p:notesMasterIdLst>
   <p:handoutMasterIdLst>
-    <p:handoutMasterId r:id="rId11"/>
+    <p:handoutMasterId r:id="rId12"/>
   </p:handoutMasterIdLst>
   <p:sldIdLst>
     <p:sldId id="294" r:id="rId2"/>
@@ -19,6 +19,7 @@
     <p:sldId id="298" r:id="rId7"/>
     <p:sldId id="299" r:id="rId8"/>
     <p:sldId id="300" r:id="rId9"/>
+    <p:sldId id="301" r:id="rId10"/>
   </p:sldIdLst>
   <p:sldSz cx="9906000" cy="6858000" type="A4"/>
   <p:notesSz cx="7099300" cy="10234613"/>
@@ -147,6 +148,14 @@
       </a:defRPr>
     </a:lvl9pPr>
   </p:defaultTextStyle>
+  <p:extLst>
+    <p:ext uri="{EFAFB233-063F-42B5-8137-9DF3F51BA10A}">
+      <p15:sldGuideLst xmlns:p15="http://schemas.microsoft.com/office/powerpoint/2012/main"/>
+    </p:ext>
+    <p:ext uri="{2D200454-40CA-4A62-9FC3-DE9A4176ACB9}">
+      <p15:notesGuideLst xmlns:p15="http://schemas.microsoft.com/office/powerpoint/2012/main"/>
+    </p:ext>
+  </p:extLst>
 </p:presentation>
 </file>
 
@@ -2694,6 +2703,240 @@
     <p:extLst>
       <p:ext uri="{BB962C8B-B14F-4D97-AF65-F5344CB8AC3E}">
         <p14:creationId xmlns:p14="http://schemas.microsoft.com/office/powerpoint/2010/main" val="3475738686"/>
+      </p:ext>
+    </p:extLst>
+  </p:cSld>
+  <p:clrMapOvr>
+    <a:masterClrMapping/>
+  </p:clrMapOvr>
+</p:notes>
+</file>
+
+<file path=ppt/notesSlides/notesSlide9.xml><?xml version="1.0" encoding="utf-8"?>
+<p:notes xmlns:a="http://schemas.openxmlformats.org/drawingml/2006/main" xmlns:r="http://schemas.openxmlformats.org/officeDocument/2006/relationships" xmlns:p="http://schemas.openxmlformats.org/presentationml/2006/main">
+  <p:cSld>
+    <p:spTree>
+      <p:nvGrpSpPr>
+        <p:cNvPr id="1" name=""/>
+        <p:cNvGrpSpPr/>
+        <p:nvPr/>
+      </p:nvGrpSpPr>
+      <p:grpSpPr>
+        <a:xfrm>
+          <a:off x="0" y="0"/>
+          <a:ext cx="0" cy="0"/>
+          <a:chOff x="0" y="0"/>
+          <a:chExt cx="0" cy="0"/>
+        </a:xfrm>
+      </p:grpSpPr>
+      <p:sp>
+        <p:nvSpPr>
+          <p:cNvPr id="7170" name="Rectangle 7"/>
+          <p:cNvSpPr>
+            <a:spLocks noGrp="1" noChangeArrowheads="1"/>
+          </p:cNvSpPr>
+          <p:nvPr>
+            <p:ph type="sldNum" sz="quarter" idx="5"/>
+          </p:nvPr>
+        </p:nvSpPr>
+        <p:spPr>
+          <a:noFill/>
+          <a:ln/>
+          <a:extLst>
+            <a:ext uri="{909E8E84-426E-40DD-AFC4-6F175D3DCCD1}">
+              <a14:hiddenFill xmlns:a14="http://schemas.microsoft.com/office/drawing/2010/main">
+                <a:solidFill>
+                  <a:srgbClr val="FFFFFF"/>
+                </a:solidFill>
+              </a14:hiddenFill>
+            </a:ext>
+            <a:ext uri="{91240B29-F687-4F45-9708-019B960494DF}">
+              <a14:hiddenLine xmlns:a14="http://schemas.microsoft.com/office/drawing/2010/main" w="9525">
+                <a:solidFill>
+                  <a:srgbClr val="000000"/>
+                </a:solidFill>
+                <a:miter lim="800000"/>
+                <a:headEnd/>
+                <a:tailEnd/>
+              </a14:hiddenLine>
+            </a:ext>
+          </a:extLst>
+        </p:spPr>
+        <p:txBody>
+          <a:bodyPr/>
+          <a:lstStyle>
+            <a:lvl1pPr defTabSz="947738" eaLnBrk="0" hangingPunct="0">
+              <a:defRPr sz="2400">
+                <a:solidFill>
+                  <a:schemeClr val="tx1"/>
+                </a:solidFill>
+                <a:latin typeface="Arial" panose="020B0604020202020204" pitchFamily="34" charset="0"/>
+              </a:defRPr>
+            </a:lvl1pPr>
+            <a:lvl2pPr marL="742950" indent="-285750" defTabSz="947738" eaLnBrk="0" hangingPunct="0">
+              <a:defRPr sz="2400">
+                <a:solidFill>
+                  <a:schemeClr val="tx1"/>
+                </a:solidFill>
+                <a:latin typeface="Arial" panose="020B0604020202020204" pitchFamily="34" charset="0"/>
+              </a:defRPr>
+            </a:lvl2pPr>
+            <a:lvl3pPr marL="1143000" indent="-228600" defTabSz="947738" eaLnBrk="0" hangingPunct="0">
+              <a:defRPr sz="2400">
+                <a:solidFill>
+                  <a:schemeClr val="tx1"/>
+                </a:solidFill>
+                <a:latin typeface="Arial" panose="020B0604020202020204" pitchFamily="34" charset="0"/>
+              </a:defRPr>
+            </a:lvl3pPr>
+            <a:lvl4pPr marL="1600200" indent="-228600" defTabSz="947738" eaLnBrk="0" hangingPunct="0">
+              <a:defRPr sz="2400">
+                <a:solidFill>
+                  <a:schemeClr val="tx1"/>
+                </a:solidFill>
+                <a:latin typeface="Arial" panose="020B0604020202020204" pitchFamily="34" charset="0"/>
+              </a:defRPr>
+            </a:lvl4pPr>
+            <a:lvl5pPr marL="2057400" indent="-228600" defTabSz="947738" eaLnBrk="0" hangingPunct="0">
+              <a:defRPr sz="2400">
+                <a:solidFill>
+                  <a:schemeClr val="tx1"/>
+                </a:solidFill>
+                <a:latin typeface="Arial" panose="020B0604020202020204" pitchFamily="34" charset="0"/>
+              </a:defRPr>
+            </a:lvl5pPr>
+            <a:lvl6pPr marL="2514600" indent="-228600" defTabSz="947738" eaLnBrk="0" fontAlgn="base" hangingPunct="0">
+              <a:spcBef>
+                <a:spcPct val="0"/>
+              </a:spcBef>
+              <a:spcAft>
+                <a:spcPct val="0"/>
+              </a:spcAft>
+              <a:defRPr sz="2400">
+                <a:solidFill>
+                  <a:schemeClr val="tx1"/>
+                </a:solidFill>
+                <a:latin typeface="Arial" panose="020B0604020202020204" pitchFamily="34" charset="0"/>
+              </a:defRPr>
+            </a:lvl6pPr>
+            <a:lvl7pPr marL="2971800" indent="-228600" defTabSz="947738" eaLnBrk="0" fontAlgn="base" hangingPunct="0">
+              <a:spcBef>
+                <a:spcPct val="0"/>
+              </a:spcBef>
+              <a:spcAft>
+                <a:spcPct val="0"/>
+              </a:spcAft>
+              <a:defRPr sz="2400">
+                <a:solidFill>
+                  <a:schemeClr val="tx1"/>
+                </a:solidFill>
+                <a:latin typeface="Arial" panose="020B0604020202020204" pitchFamily="34" charset="0"/>
+              </a:defRPr>
+            </a:lvl7pPr>
+            <a:lvl8pPr marL="3429000" indent="-228600" defTabSz="947738" eaLnBrk="0" fontAlgn="base" hangingPunct="0">
+              <a:spcBef>
+                <a:spcPct val="0"/>
+              </a:spcBef>
+              <a:spcAft>
+                <a:spcPct val="0"/>
+              </a:spcAft>
+              <a:defRPr sz="2400">
+                <a:solidFill>
+                  <a:schemeClr val="tx1"/>
+                </a:solidFill>
+                <a:latin typeface="Arial" panose="020B0604020202020204" pitchFamily="34" charset="0"/>
+              </a:defRPr>
+            </a:lvl8pPr>
+            <a:lvl9pPr marL="3886200" indent="-228600" defTabSz="947738" eaLnBrk="0" fontAlgn="base" hangingPunct="0">
+              <a:spcBef>
+                <a:spcPct val="0"/>
+              </a:spcBef>
+              <a:spcAft>
+                <a:spcPct val="0"/>
+              </a:spcAft>
+              <a:defRPr sz="2400">
+                <a:solidFill>
+                  <a:schemeClr val="tx1"/>
+                </a:solidFill>
+                <a:latin typeface="Arial" panose="020B0604020202020204" pitchFamily="34" charset="0"/>
+              </a:defRPr>
+            </a:lvl9pPr>
+          </a:lstStyle>
+          <a:p>
+            <a:pPr eaLnBrk="1" hangingPunct="1"/>
+            <a:fld id="{F069F823-D516-4ED0-9CAD-0004238D220E}" type="slidenum">
+              <a:rPr lang="de-DE" altLang="de-DE" sz="1200">
+                <a:latin typeface="Times New Roman" panose="02020603050405020304" pitchFamily="18" charset="0"/>
+              </a:rPr>
+              <a:pPr eaLnBrk="1" hangingPunct="1"/>
+              <a:t>9</a:t>
+            </a:fld>
+            <a:endParaRPr lang="de-DE" altLang="de-DE" sz="1200">
+              <a:latin typeface="Times New Roman" panose="02020603050405020304" pitchFamily="18" charset="0"/>
+            </a:endParaRPr>
+          </a:p>
+        </p:txBody>
+      </p:sp>
+      <p:sp>
+        <p:nvSpPr>
+          <p:cNvPr id="7171" name="Rectangle 2"/>
+          <p:cNvSpPr>
+            <a:spLocks noGrp="1" noRot="1" noChangeAspect="1" noChangeArrowheads="1" noTextEdit="1"/>
+          </p:cNvSpPr>
+          <p:nvPr>
+            <p:ph type="sldImg"/>
+          </p:nvPr>
+        </p:nvSpPr>
+        <p:spPr>
+          <a:ln/>
+        </p:spPr>
+      </p:sp>
+      <p:sp>
+        <p:nvSpPr>
+          <p:cNvPr id="7172" name="Rectangle 3"/>
+          <p:cNvSpPr>
+            <a:spLocks noGrp="1" noChangeArrowheads="1"/>
+          </p:cNvSpPr>
+          <p:nvPr>
+            <p:ph type="body" idx="1"/>
+          </p:nvPr>
+        </p:nvSpPr>
+        <p:spPr>
+          <a:noFill/>
+          <a:ln/>
+          <a:extLst>
+            <a:ext uri="{909E8E84-426E-40DD-AFC4-6F175D3DCCD1}">
+              <a14:hiddenFill xmlns:a14="http://schemas.microsoft.com/office/drawing/2010/main">
+                <a:solidFill>
+                  <a:srgbClr val="FFFFFF"/>
+                </a:solidFill>
+              </a14:hiddenFill>
+            </a:ext>
+            <a:ext uri="{91240B29-F687-4F45-9708-019B960494DF}">
+              <a14:hiddenLine xmlns:a14="http://schemas.microsoft.com/office/drawing/2010/main" w="9525">
+                <a:solidFill>
+                  <a:srgbClr val="000000"/>
+                </a:solidFill>
+                <a:miter lim="800000"/>
+                <a:headEnd/>
+                <a:tailEnd/>
+              </a14:hiddenLine>
+            </a:ext>
+          </a:extLst>
+        </p:spPr>
+        <p:txBody>
+          <a:bodyPr/>
+          <a:lstStyle/>
+          <a:p>
+            <a:pPr eaLnBrk="1" hangingPunct="1"/>
+            <a:endParaRPr lang="de-DE" altLang="de-DE"/>
+          </a:p>
+        </p:txBody>
+      </p:sp>
+    </p:spTree>
+    <p:extLst>
+      <p:ext uri="{BB962C8B-B14F-4D97-AF65-F5344CB8AC3E}">
+        <p14:creationId xmlns:p14="http://schemas.microsoft.com/office/powerpoint/2010/main" val="3247106457"/>
       </p:ext>
     </p:extLst>
   </p:cSld>
@@ -7364,6 +7607,28 @@
               <a:t>Projektmitarbeiter spielen selber gerne Sudoku</a:t>
             </a:r>
           </a:p>
+          <a:p>
+            <a:pPr>
+              <a:buFontTx/>
+              <a:buChar char="•"/>
+            </a:pPr>
+            <a:endParaRPr lang="de-DE" altLang="de-DE" sz="3200" dirty="0">
+              <a:solidFill>
+                <a:srgbClr val="002060"/>
+              </a:solidFill>
+            </a:endParaRPr>
+          </a:p>
+          <a:p>
+            <a:pPr>
+              <a:buFontTx/>
+              <a:buChar char="•"/>
+            </a:pPr>
+            <a:endParaRPr lang="de-DE" altLang="de-DE" sz="3200" dirty="0">
+              <a:solidFill>
+                <a:srgbClr val="002060"/>
+              </a:solidFill>
+            </a:endParaRPr>
+          </a:p>
         </p:txBody>
       </p:sp>
       <p:sp>
@@ -7997,7 +8262,7 @@
                   <a:srgbClr val="002060"/>
                 </a:solidFill>
               </a:rPr>
-              <a:t>Profil (Statistiken</a:t>
+              <a:t>Profil (Statistiken)</a:t>
             </a:r>
           </a:p>
           <a:p>
@@ -9717,16 +9982,15 @@
             <p:ph idx="1"/>
           </p:nvPr>
         </p:nvPicPr>
-        <p:blipFill>
+        <p:blipFill rotWithShape="1">
           <a:blip r:embed="rId3"/>
-          <a:stretch>
-            <a:fillRect/>
-          </a:stretch>
+          <a:srcRect l="18988" t="21966" r="14366" b="13969"/>
+          <a:stretch/>
         </p:blipFill>
         <p:spPr>
           <a:xfrm>
-            <a:off x="1906588" y="2026560"/>
-            <a:ext cx="7710487" cy="3608155"/>
+            <a:off x="1424607" y="1700808"/>
+            <a:ext cx="7683681" cy="3456384"/>
           </a:xfrm>
         </p:spPr>
       </p:pic>
@@ -10327,6 +10591,54 @@
               </a:solidFill>
             </a:endParaRPr>
           </a:p>
+          <a:p>
+            <a:pPr>
+              <a:buFontTx/>
+              <a:buChar char="•"/>
+            </a:pPr>
+            <a:r>
+              <a:rPr lang="de-DE" altLang="de-DE" sz="3200" dirty="0">
+                <a:solidFill>
+                  <a:srgbClr val="002060"/>
+                </a:solidFill>
+              </a:rPr>
+              <a:t>Verschiedene  </a:t>
+            </a:r>
+            <a:r>
+              <a:rPr lang="de-DE" altLang="de-DE" sz="3200" dirty="0" err="1">
+                <a:solidFill>
+                  <a:srgbClr val="002060"/>
+                </a:solidFill>
+              </a:rPr>
+              <a:t>Feldertypen</a:t>
+            </a:r>
+            <a:endParaRPr lang="de-DE" altLang="de-DE" sz="3200" dirty="0">
+              <a:solidFill>
+                <a:srgbClr val="002060"/>
+              </a:solidFill>
+            </a:endParaRPr>
+          </a:p>
+          <a:p>
+            <a:pPr>
+              <a:buFontTx/>
+              <a:buChar char="•"/>
+            </a:pPr>
+            <a:endParaRPr lang="de-DE" altLang="de-DE" sz="3200" dirty="0">
+              <a:solidFill>
+                <a:srgbClr val="002060"/>
+              </a:solidFill>
+            </a:endParaRPr>
+          </a:p>
+          <a:p>
+            <a:pPr marL="0" indent="0">
+              <a:buNone/>
+            </a:pPr>
+            <a:endParaRPr lang="de-DE" altLang="de-DE" sz="3200" dirty="0">
+              <a:solidFill>
+                <a:srgbClr val="002060"/>
+              </a:solidFill>
+            </a:endParaRPr>
+          </a:p>
         </p:txBody>
       </p:sp>
       <p:sp>
@@ -10806,6 +11118,123 @@
     <p:extLst>
       <p:ext uri="{BB962C8B-B14F-4D97-AF65-F5344CB8AC3E}">
         <p14:creationId xmlns:p14="http://schemas.microsoft.com/office/powerpoint/2010/main" val="872308909"/>
+      </p:ext>
+    </p:extLst>
+  </p:cSld>
+  <p:clrMapOvr>
+    <a:masterClrMapping/>
+  </p:clrMapOvr>
+  <p:transition/>
+</p:sld>
+</file>
+
+<file path=ppt/slides/slide9.xml><?xml version="1.0" encoding="utf-8"?>
+<p:sld xmlns:a="http://schemas.openxmlformats.org/drawingml/2006/main" xmlns:r="http://schemas.openxmlformats.org/officeDocument/2006/relationships" xmlns:p="http://schemas.openxmlformats.org/presentationml/2006/main">
+  <p:cSld>
+    <p:spTree>
+      <p:nvGrpSpPr>
+        <p:cNvPr id="1" name=""/>
+        <p:cNvGrpSpPr/>
+        <p:nvPr/>
+      </p:nvGrpSpPr>
+      <p:grpSpPr>
+        <a:xfrm>
+          <a:off x="0" y="0"/>
+          <a:ext cx="0" cy="0"/>
+          <a:chOff x="0" y="0"/>
+          <a:chExt cx="0" cy="0"/>
+        </a:xfrm>
+      </p:grpSpPr>
+      <p:sp>
+        <p:nvSpPr>
+          <p:cNvPr id="4098" name="Rectangle 2"/>
+          <p:cNvSpPr>
+            <a:spLocks noGrp="1" noChangeArrowheads="1"/>
+          </p:cNvSpPr>
+          <p:nvPr>
+            <p:ph type="ctrTitle"/>
+          </p:nvPr>
+        </p:nvSpPr>
+        <p:spPr>
+          <a:xfrm>
+            <a:off x="660400" y="1773238"/>
+            <a:ext cx="8420100" cy="1143000"/>
+          </a:xfrm>
+        </p:spPr>
+        <p:txBody>
+          <a:bodyPr lIns="92075" tIns="46038" rIns="92075" bIns="46038"/>
+          <a:lstStyle/>
+          <a:p>
+            <a:r>
+              <a:rPr lang="de-DE" altLang="de-DE" sz="3200" b="1" dirty="0"/>
+              <a:t>Vielen Dank für eure Aufmerksamkeit.</a:t>
+            </a:r>
+          </a:p>
+        </p:txBody>
+      </p:sp>
+      <p:sp>
+        <p:nvSpPr>
+          <p:cNvPr id="133123" name="Rectangle 3"/>
+          <p:cNvSpPr>
+            <a:spLocks noGrp="1" noChangeArrowheads="1"/>
+          </p:cNvSpPr>
+          <p:nvPr>
+            <p:ph type="subTitle" idx="1"/>
+          </p:nvPr>
+        </p:nvSpPr>
+        <p:spPr>
+          <a:xfrm>
+            <a:off x="886618" y="5517232"/>
+            <a:ext cx="7967663" cy="1080120"/>
+          </a:xfrm>
+        </p:spPr>
+        <p:txBody>
+          <a:bodyPr lIns="92075" tIns="46038" rIns="92075" bIns="46038"/>
+          <a:lstStyle/>
+          <a:p>
+            <a:pPr>
+              <a:defRPr/>
+            </a:pPr>
+            <a:r>
+              <a:rPr lang="de-DE" sz="2400" i="1" dirty="0">
+                <a:solidFill>
+                  <a:srgbClr val="002060"/>
+                </a:solidFill>
+              </a:rPr>
+              <a:t>Jan Getschmann, Christian Kracht und</a:t>
+            </a:r>
+            <a:br>
+              <a:rPr lang="de-DE" sz="2400" i="1" dirty="0">
+                <a:solidFill>
+                  <a:srgbClr val="002060"/>
+                </a:solidFill>
+              </a:rPr>
+            </a:br>
+            <a:r>
+              <a:rPr lang="de-DE" sz="2400" i="1" dirty="0">
+                <a:solidFill>
+                  <a:srgbClr val="002060"/>
+                </a:solidFill>
+              </a:rPr>
+              <a:t>Carolin Kuessner</a:t>
+            </a:r>
+          </a:p>
+          <a:p>
+            <a:pPr>
+              <a:defRPr/>
+            </a:pPr>
+            <a:endParaRPr lang="de-DE" sz="2400" b="1" dirty="0">
+              <a:solidFill>
+                <a:srgbClr val="002060"/>
+              </a:solidFill>
+            </a:endParaRPr>
+          </a:p>
+        </p:txBody>
+      </p:sp>
+    </p:spTree>
+    <p:extLst>
+      <p:ext uri="{BB962C8B-B14F-4D97-AF65-F5344CB8AC3E}">
+        <p14:creationId xmlns:p14="http://schemas.microsoft.com/office/powerpoint/2010/main" val="3857063277"/>
       </p:ext>
     </p:extLst>
   </p:cSld>
